--- a/DX 제출용 장표/Domain DX Level 3 과제 등록서_작성중.pptx
+++ b/DX 제출용 장표/Domain DX Level 3 과제 등록서_작성중.pptx
@@ -226,7 +226,7 @@
           <a:p>
             <a:fld id="{841EA438-E07B-4133-90D2-272BCEA3ED7E}" type="datetimeFigureOut">
               <a:rPr lang="ko-KR" altLang="en-US" smtClean="0"/>
-              <a:t>2023-11-14</a:t>
+              <a:t>2023-11-15</a:t>
             </a:fld>
             <a:endParaRPr lang="ko-KR" altLang="en-US"/>
           </a:p>
@@ -930,7 +930,7 @@
                 </a:solidFill>
               </a:rPr>
               <a:pPr/>
-              <a:t>2023-11-14</a:t>
+              <a:t>2023-11-15</a:t>
             </a:fld>
             <a:endParaRPr lang="ko-KR" altLang="en-US" dirty="0">
               <a:solidFill>
@@ -1340,7 +1340,7 @@
                 </a:solidFill>
               </a:rPr>
               <a:pPr/>
-              <a:t>2023-11-14</a:t>
+              <a:t>2023-11-15</a:t>
             </a:fld>
             <a:endParaRPr lang="ko-KR" altLang="en-US">
               <a:solidFill>
@@ -2581,15 +2581,7 @@
                             <a:schemeClr val="tx1"/>
                           </a:solidFill>
                         </a:rPr>
-                        <a:t>불량 검출 </a:t>
-                      </a:r>
-                      <a:r>
-                        <a:rPr lang="ko-KR" altLang="en-US" sz="1000" dirty="0" smtClean="0">
-                          <a:solidFill>
-                            <a:schemeClr val="tx1"/>
-                          </a:solidFill>
-                        </a:rPr>
-                        <a:t>정확도 향상 및 판정 시간 단축</a:t>
+                        <a:t>불량 검출 정확도 향상 및 판정 시간 단축</a:t>
                       </a:r>
                       <a:endParaRPr lang="en-US" altLang="ko-KR" sz="1000" dirty="0" smtClean="0">
                         <a:solidFill>
@@ -2718,14 +2710,14 @@
           <p:nvPr>
             <p:extLst>
               <p:ext uri="{D42A27DB-BD31-4B8C-83A1-F6EECF244321}">
-                <p14:modId xmlns:p14="http://schemas.microsoft.com/office/powerpoint/2010/main" val="3203468804"/>
+                <p14:modId xmlns:p14="http://schemas.microsoft.com/office/powerpoint/2010/main" val="3736269902"/>
               </p:ext>
             </p:extLst>
           </p:nvPr>
         </p:nvGraphicFramePr>
         <p:xfrm>
           <a:off x="1100137" y="2684243"/>
-          <a:ext cx="8599436" cy="4115359"/>
+          <a:ext cx="8599436" cy="4084663"/>
         </p:xfrm>
         <a:graphic>
           <a:graphicData uri="http://schemas.openxmlformats.org/drawingml/2006/table">
@@ -3423,18 +3415,7 @@
                           <a:ea typeface="LG스마트체 Regular" panose="020B0600000101010101" pitchFamily="50" charset="-127"/>
                           <a:cs typeface="+mn-cs"/>
                         </a:rPr>
-                        <a:t>모듈 부자재 누락 검출 자동 </a:t>
-                      </a:r>
-                      <a:r>
-                        <a:rPr lang="ko-KR" altLang="en-US" sz="1000" b="1" kern="1200" dirty="0" smtClean="0">
-                          <a:solidFill>
-                            <a:prstClr val="black"/>
-                          </a:solidFill>
-                          <a:latin typeface="Arial Narrow" panose="020B0606020202030204" pitchFamily="34" charset="0"/>
-                          <a:ea typeface="LG스마트체 Regular" panose="020B0600000101010101" pitchFamily="50" charset="-127"/>
-                          <a:cs typeface="+mn-cs"/>
-                        </a:rPr>
-                        <a:t>판정 모델</a:t>
+                        <a:t>모듈 부자재 누락 검출 자동 판정 모델</a:t>
                       </a:r>
                       <a:r>
                         <a:rPr lang="en-US" altLang="ko-KR" sz="1000" b="1" kern="1200" dirty="0" smtClean="0">
@@ -3691,10 +3672,10 @@
                           <a:ea typeface="LG스마트체 Regular" panose="020B0600000101010101" pitchFamily="50" charset="-127"/>
                           <a:cs typeface="+mn-cs"/>
                         </a:rPr>
-                        <a:t> </a:t>
-                      </a:r>
-                      <a:r>
-                        <a:rPr lang="en-US" altLang="ko-KR" sz="1000" b="1" kern="1200" baseline="0" dirty="0" smtClean="0">
+                        <a:t> System </a:t>
+                      </a:r>
+                      <a:r>
+                        <a:rPr lang="ko-KR" altLang="en-US" sz="1000" b="1" kern="1200" baseline="0" dirty="0" smtClean="0">
                           <a:solidFill>
                             <a:prstClr val="black"/>
                           </a:solidFill>
@@ -3702,29 +3683,7 @@
                           <a:ea typeface="LG스마트체 Regular" panose="020B0600000101010101" pitchFamily="50" charset="-127"/>
                           <a:cs typeface="+mn-cs"/>
                         </a:rPr>
-                        <a:t>System </a:t>
-                      </a:r>
-                      <a:r>
-                        <a:rPr lang="ko-KR" altLang="en-US" sz="1000" b="1" kern="1200" baseline="0" dirty="0" smtClean="0">
-                          <a:solidFill>
-                            <a:prstClr val="black"/>
-                          </a:solidFill>
-                          <a:latin typeface="Arial Narrow" panose="020B0606020202030204" pitchFamily="34" charset="0"/>
-                          <a:ea typeface="LG스마트체 Regular" panose="020B0600000101010101" pitchFamily="50" charset="-127"/>
-                          <a:cs typeface="+mn-cs"/>
-                        </a:rPr>
-                        <a:t>수평전개를 통한 </a:t>
-                      </a:r>
-                      <a:r>
-                        <a:rPr lang="ko-KR" altLang="en-US" sz="1000" b="1" kern="1200" baseline="0" dirty="0" smtClean="0">
-                          <a:solidFill>
-                            <a:prstClr val="black"/>
-                          </a:solidFill>
-                          <a:latin typeface="Arial Narrow" panose="020B0606020202030204" pitchFamily="34" charset="0"/>
-                          <a:ea typeface="LG스마트체 Regular" panose="020B0600000101010101" pitchFamily="50" charset="-127"/>
-                          <a:cs typeface="+mn-cs"/>
-                        </a:rPr>
-                        <a:t>판정 </a:t>
+                        <a:t>수평전개를 통한 판정 </a:t>
                       </a:r>
                       <a:r>
                         <a:rPr lang="ko-KR" altLang="en-US" sz="1000" b="1" kern="1200" baseline="0" dirty="0" err="1" smtClean="0">
@@ -3839,18 +3798,7 @@
                           <a:ea typeface="LG스마트체 Regular" panose="020B0600000101010101" pitchFamily="50" charset="-127"/>
                           <a:cs typeface="+mn-cs"/>
                         </a:rPr>
-                        <a:t> 자동화 시스템 구축을 위한 현업 </a:t>
-                      </a:r>
-                      <a:r>
-                        <a:rPr lang="ko-KR" altLang="en-US" sz="1000" b="1" kern="1200" dirty="0" smtClean="0">
-                          <a:solidFill>
-                            <a:prstClr val="black"/>
-                          </a:solidFill>
-                          <a:latin typeface="Arial Narrow" panose="020B0606020202030204" pitchFamily="34" charset="0"/>
-                          <a:ea typeface="LG스마트체 Regular" panose="020B0600000101010101" pitchFamily="50" charset="-127"/>
-                          <a:cs typeface="+mn-cs"/>
-                        </a:rPr>
-                        <a:t>인터뷰</a:t>
+                        <a:t> 자동화 시스템 구축을 위한 현업 인터뷰</a:t>
                       </a:r>
                       <a:endParaRPr lang="en-US" altLang="ko-KR" sz="1000" b="1" kern="1200" dirty="0" smtClean="0">
                         <a:solidFill>
@@ -3915,7 +3863,18 @@
                           <a:ea typeface="LG스마트체 Regular" panose="020B0600000101010101" pitchFamily="50" charset="-127"/>
                           <a:cs typeface="+mn-cs"/>
                         </a:rPr>
-                        <a:t> </a:t>
+                        <a:t> DX</a:t>
+                      </a:r>
+                      <a:r>
+                        <a:rPr lang="ko-KR" altLang="en-US" sz="1000" b="1" kern="1200" dirty="0" smtClean="0">
+                          <a:solidFill>
+                            <a:prstClr val="black"/>
+                          </a:solidFill>
+                          <a:latin typeface="Arial Narrow" panose="020B0606020202030204" pitchFamily="34" charset="0"/>
+                          <a:ea typeface="LG스마트체 Regular" panose="020B0600000101010101" pitchFamily="50" charset="-127"/>
+                          <a:cs typeface="+mn-cs"/>
+                        </a:rPr>
+                        <a:t>기반 검증</a:t>
                       </a:r>
                       <a:r>
                         <a:rPr lang="en-US" altLang="ko-KR" sz="1000" b="1" kern="1200" dirty="0" smtClean="0">
@@ -3926,40 +3885,7 @@
                           <a:ea typeface="LG스마트체 Regular" panose="020B0600000101010101" pitchFamily="50" charset="-127"/>
                           <a:cs typeface="+mn-cs"/>
                         </a:rPr>
-                        <a:t>DX</a:t>
-                      </a:r>
-                      <a:r>
-                        <a:rPr lang="ko-KR" altLang="en-US" sz="1000" b="1" kern="1200" dirty="0" smtClean="0">
-                          <a:solidFill>
-                            <a:prstClr val="black"/>
-                          </a:solidFill>
-                          <a:latin typeface="Arial Narrow" panose="020B0606020202030204" pitchFamily="34" charset="0"/>
-                          <a:ea typeface="LG스마트체 Regular" panose="020B0600000101010101" pitchFamily="50" charset="-127"/>
-                          <a:cs typeface="+mn-cs"/>
-                        </a:rPr>
-                        <a:t>기반 검증</a:t>
-                      </a:r>
-                      <a:r>
-                        <a:rPr lang="en-US" altLang="ko-KR" sz="1000" b="1" kern="1200" dirty="0" smtClean="0">
-                          <a:solidFill>
-                            <a:prstClr val="black"/>
-                          </a:solidFill>
-                          <a:latin typeface="Arial Narrow" panose="020B0606020202030204" pitchFamily="34" charset="0"/>
-                          <a:ea typeface="LG스마트체 Regular" panose="020B0600000101010101" pitchFamily="50" charset="-127"/>
-                          <a:cs typeface="+mn-cs"/>
-                        </a:rPr>
-                        <a:t> </a:t>
-                      </a:r>
-                      <a:r>
-                        <a:rPr lang="en-US" altLang="ko-KR" sz="1000" b="1" kern="1200" dirty="0" smtClean="0">
-                          <a:solidFill>
-                            <a:prstClr val="black"/>
-                          </a:solidFill>
-                          <a:latin typeface="Arial Narrow" panose="020B0606020202030204" pitchFamily="34" charset="0"/>
-                          <a:ea typeface="LG스마트체 Regular" panose="020B0600000101010101" pitchFamily="50" charset="-127"/>
-                          <a:cs typeface="+mn-cs"/>
-                        </a:rPr>
-                        <a:t>Tool</a:t>
+                        <a:t> Tool</a:t>
                       </a:r>
                       <a:r>
                         <a:rPr lang="en-US" altLang="ko-KR" sz="1000" b="1" kern="1200" baseline="0" dirty="0" smtClean="0">
@@ -4101,7 +4027,7 @@
                           <a:ea typeface="LG스마트체 Regular" panose="020B0600000101010101" pitchFamily="50" charset="-127"/>
                           <a:cs typeface="+mn-cs"/>
                         </a:rPr>
-                        <a:t>양불 판정 기준 수립 및 </a:t>
+                        <a:t>양불 판정 기준 수립 및 모듈 이미지의 </a:t>
                       </a:r>
                       <a:r>
                         <a:rPr lang="en-US" altLang="ko-KR" sz="1000" b="0" kern="1200" baseline="0" dirty="0" smtClean="0">
@@ -4194,7 +4120,29 @@
                           <a:ea typeface="LG스마트체 Regular" panose="020B0600000101010101" pitchFamily="50" charset="-127"/>
                           <a:cs typeface="+mn-cs"/>
                         </a:rPr>
-                        <a:t>의 업로드를 위한 신규 </a:t>
+                        <a:t>의 업로드 및 </a:t>
+                      </a:r>
+                      <a:r>
+                        <a:rPr lang="ko-KR" altLang="en-US" sz="1000" b="0" kern="1200" baseline="0" dirty="0" err="1" smtClean="0">
+                          <a:solidFill>
+                            <a:prstClr val="black"/>
+                          </a:solidFill>
+                          <a:latin typeface="Arial Narrow" panose="020B0606020202030204" pitchFamily="34" charset="0"/>
+                          <a:ea typeface="LG스마트체 Regular" panose="020B0600000101010101" pitchFamily="50" charset="-127"/>
+                          <a:cs typeface="+mn-cs"/>
+                        </a:rPr>
+                        <a:t>머신러닝</a:t>
+                      </a:r>
+                      <a:r>
+                        <a:rPr lang="ko-KR" altLang="en-US" sz="1000" b="0" kern="1200" baseline="0" dirty="0" smtClean="0">
+                          <a:solidFill>
+                            <a:prstClr val="black"/>
+                          </a:solidFill>
+                          <a:latin typeface="Arial Narrow" panose="020B0606020202030204" pitchFamily="34" charset="0"/>
+                          <a:ea typeface="LG스마트체 Regular" panose="020B0600000101010101" pitchFamily="50" charset="-127"/>
+                          <a:cs typeface="+mn-cs"/>
+                        </a:rPr>
+                        <a:t> 진행을 위한 신규 </a:t>
                       </a:r>
                       <a:r>
                         <a:rPr lang="en-US" altLang="ko-KR" sz="1000" b="0" kern="1200" baseline="0" dirty="0" smtClean="0">
@@ -4254,7 +4202,7 @@
                           <a:ea typeface="LG스마트체 Regular" panose="020B0600000101010101" pitchFamily="50" charset="-127"/>
                           <a:cs typeface="+mn-cs"/>
                         </a:rPr>
-                        <a:t>     (BM</a:t>
+                        <a:t>   -. </a:t>
                       </a:r>
                       <a:r>
                         <a:rPr lang="ko-KR" altLang="en-US" sz="1000" b="0" kern="1200" baseline="0" dirty="0" smtClean="0">
@@ -4265,10 +4213,10 @@
                           <a:ea typeface="LG스마트체 Regular" panose="020B0600000101010101" pitchFamily="50" charset="-127"/>
                           <a:cs typeface="+mn-cs"/>
                         </a:rPr>
-                        <a:t>사의 이미지 데이터 및 </a:t>
-                      </a:r>
-                      <a:r>
-                        <a:rPr lang="en-US" altLang="ko-KR" sz="1000" b="0" kern="1200" baseline="0" dirty="0" smtClean="0">
+                        <a:t>판정 </a:t>
+                      </a:r>
+                      <a:r>
+                        <a:rPr lang="ko-KR" altLang="en-US" sz="1000" b="0" kern="1200" baseline="0" dirty="0" smtClean="0">
                           <a:solidFill>
                             <a:prstClr val="black"/>
                           </a:solidFill>
@@ -4276,7 +4224,7 @@
                           <a:ea typeface="LG스마트체 Regular" panose="020B0600000101010101" pitchFamily="50" charset="-127"/>
                           <a:cs typeface="+mn-cs"/>
                         </a:rPr>
-                        <a:t>LGE </a:t>
+                        <a:t>프로그램 제작 및 </a:t>
                       </a:r>
                       <a:r>
                         <a:rPr lang="ko-KR" altLang="en-US" sz="1000" b="0" kern="1200" baseline="0" dirty="0" smtClean="0">
@@ -4287,92 +4235,7 @@
                           <a:ea typeface="LG스마트체 Regular" panose="020B0600000101010101" pitchFamily="50" charset="-127"/>
                           <a:cs typeface="+mn-cs"/>
                         </a:rPr>
-                        <a:t>도면 </a:t>
-                      </a:r>
-                      <a:r>
-                        <a:rPr lang="en-US" altLang="ko-KR" sz="1000" b="0" kern="1200" baseline="0" dirty="0" smtClean="0">
-                          <a:solidFill>
-                            <a:prstClr val="black"/>
-                          </a:solidFill>
-                          <a:latin typeface="Arial Narrow" panose="020B0606020202030204" pitchFamily="34" charset="0"/>
-                          <a:ea typeface="LG스마트체 Regular" panose="020B0600000101010101" pitchFamily="50" charset="-127"/>
-                          <a:cs typeface="+mn-cs"/>
-                        </a:rPr>
-                        <a:t>Date</a:t>
-                      </a:r>
-                      <a:r>
-                        <a:rPr lang="ko-KR" altLang="en-US" sz="1000" b="0" kern="1200" baseline="0" dirty="0" smtClean="0">
-                          <a:solidFill>
-                            <a:prstClr val="black"/>
-                          </a:solidFill>
-                          <a:latin typeface="Arial Narrow" panose="020B0606020202030204" pitchFamily="34" charset="0"/>
-                          <a:ea typeface="LG스마트체 Regular" panose="020B0600000101010101" pitchFamily="50" charset="-127"/>
-                          <a:cs typeface="+mn-cs"/>
-                        </a:rPr>
-                        <a:t>의 연동 및 실시간 수정사항 반영</a:t>
-                      </a:r>
-                      <a:r>
-                        <a:rPr lang="en-US" altLang="ko-KR" sz="1000" b="0" kern="1200" baseline="0" dirty="0" smtClean="0">
-                          <a:solidFill>
-                            <a:prstClr val="black"/>
-                          </a:solidFill>
-                          <a:latin typeface="Arial Narrow" panose="020B0606020202030204" pitchFamily="34" charset="0"/>
-                          <a:ea typeface="LG스마트체 Regular" panose="020B0600000101010101" pitchFamily="50" charset="-127"/>
-                          <a:cs typeface="+mn-cs"/>
-                        </a:rPr>
-                        <a:t>)</a:t>
-                      </a:r>
-                    </a:p>
-                    <a:p>
-                      <a:pPr marL="0" marR="0" lvl="0" indent="0" algn="l" defTabSz="914400" rtl="0" eaLnBrk="1" fontAlgn="base" latinLnBrk="1" hangingPunct="1">
-                        <a:lnSpc>
-                          <a:spcPct val="110000"/>
-                        </a:lnSpc>
-                        <a:spcBef>
-                          <a:spcPct val="0"/>
-                        </a:spcBef>
-                        <a:spcAft>
-                          <a:spcPct val="0"/>
-                        </a:spcAft>
-                        <a:buClrTx/>
-                        <a:buSzTx/>
-                        <a:buFont typeface="Wingdings" pitchFamily="2" charset="2"/>
-                        <a:buNone/>
-                        <a:tabLst/>
-                        <a:defRPr/>
-                      </a:pPr>
-                      <a:r>
-                        <a:rPr lang="en-US" altLang="ko-KR" sz="1000" b="0" kern="1200" baseline="0" dirty="0" smtClean="0">
-                          <a:solidFill>
-                            <a:prstClr val="black"/>
-                          </a:solidFill>
-                          <a:latin typeface="Arial Narrow" panose="020B0606020202030204" pitchFamily="34" charset="0"/>
-                          <a:ea typeface="LG스마트체 Regular" panose="020B0600000101010101" pitchFamily="50" charset="-127"/>
-                          <a:cs typeface="+mn-cs"/>
-                        </a:rPr>
-                        <a:t>   -. </a:t>
-                      </a:r>
-                      <a:r>
-                        <a:rPr lang="ko-KR" altLang="en-US" sz="1000" b="0" kern="1200" baseline="0" dirty="0" smtClean="0">
-                          <a:solidFill>
-                            <a:prstClr val="black"/>
-                          </a:solidFill>
-                          <a:latin typeface="Arial Narrow" panose="020B0606020202030204" pitchFamily="34" charset="0"/>
-                          <a:ea typeface="LG스마트체 Regular" panose="020B0600000101010101" pitchFamily="50" charset="-127"/>
-                          <a:cs typeface="+mn-cs"/>
-                        </a:rPr>
-                        <a:t>판정 </a:t>
-                      </a:r>
-                      <a:r>
-                        <a:rPr lang="ko-KR" altLang="en-US" sz="1000" b="0" kern="1200" baseline="0" dirty="0" smtClean="0">
-                          <a:solidFill>
-                            <a:prstClr val="black"/>
-                          </a:solidFill>
-                          <a:latin typeface="Arial Narrow" panose="020B0606020202030204" pitchFamily="34" charset="0"/>
-                          <a:ea typeface="LG스마트체 Regular" panose="020B0600000101010101" pitchFamily="50" charset="-127"/>
-                          <a:cs typeface="+mn-cs"/>
-                        </a:rPr>
-                        <a:t>프로그램의 업체 배포</a:t>
+                        <a:t>업체 배포</a:t>
                       </a:r>
                       <a:endParaRPr lang="en-US" altLang="ko-KR" sz="1000" b="0" kern="1200" baseline="0" dirty="0" smtClean="0">
                         <a:solidFill>
@@ -4429,6 +4292,17 @@
                         <a:defRPr/>
                       </a:pPr>
                       <a:r>
+                        <a:rPr lang="en-US" altLang="ko-KR" sz="1000" b="1" kern="1200" baseline="0" dirty="0" smtClean="0">
+                          <a:solidFill>
+                            <a:prstClr val="black"/>
+                          </a:solidFill>
+                          <a:latin typeface="Arial Narrow" panose="020B0606020202030204" pitchFamily="34" charset="0"/>
+                          <a:ea typeface="LG스마트체 Regular" panose="020B0600000101010101" pitchFamily="50" charset="-127"/>
+                          <a:cs typeface="+mn-cs"/>
+                        </a:rPr>
+                        <a:t>Pilot </a:t>
+                      </a:r>
+                      <a:r>
                         <a:rPr lang="ko-KR" altLang="en-US" sz="1000" b="1" kern="1200" baseline="0" dirty="0" smtClean="0">
                           <a:solidFill>
                             <a:prstClr val="black"/>
@@ -4437,51 +4311,7 @@
                           <a:ea typeface="LG스마트체 Regular" panose="020B0600000101010101" pitchFamily="50" charset="-127"/>
                           <a:cs typeface="+mn-cs"/>
                         </a:rPr>
-                        <a:t> 개발 </a:t>
-                      </a:r>
-                      <a:r>
-                        <a:rPr lang="en-US" altLang="ko-KR" sz="1000" b="1" kern="1200" baseline="0" dirty="0" smtClean="0">
-                          <a:solidFill>
-                            <a:prstClr val="black"/>
-                          </a:solidFill>
-                          <a:latin typeface="Arial Narrow" panose="020B0606020202030204" pitchFamily="34" charset="0"/>
-                          <a:ea typeface="LG스마트체 Regular" panose="020B0600000101010101" pitchFamily="50" charset="-127"/>
-                          <a:cs typeface="+mn-cs"/>
-                        </a:rPr>
-                        <a:t>Tool </a:t>
-                      </a:r>
-                      <a:r>
-                        <a:rPr lang="ko-KR" altLang="en-US" sz="1000" b="1" kern="1200" baseline="0" dirty="0" smtClean="0">
-                          <a:solidFill>
-                            <a:prstClr val="black"/>
-                          </a:solidFill>
-                          <a:latin typeface="Arial Narrow" panose="020B0606020202030204" pitchFamily="34" charset="0"/>
-                          <a:ea typeface="LG스마트체 Regular" panose="020B0600000101010101" pitchFamily="50" charset="-127"/>
-                          <a:cs typeface="+mn-cs"/>
-                        </a:rPr>
-                        <a:t>활용 </a:t>
-                      </a:r>
-                      <a:r>
-                        <a:rPr lang="en-US" altLang="ko-KR" sz="1000" b="1" kern="1200" baseline="0" dirty="0" smtClean="0">
-                          <a:solidFill>
-                            <a:prstClr val="black"/>
-                          </a:solidFill>
-                          <a:latin typeface="Arial Narrow" panose="020B0606020202030204" pitchFamily="34" charset="0"/>
-                          <a:ea typeface="LG스마트체 Regular" panose="020B0600000101010101" pitchFamily="50" charset="-127"/>
-                          <a:cs typeface="+mn-cs"/>
-                        </a:rPr>
-                        <a:t>Pilot </a:t>
-                      </a:r>
-                      <a:r>
-                        <a:rPr lang="ko-KR" altLang="en-US" sz="1000" b="1" kern="1200" baseline="0" dirty="0" smtClean="0">
-                          <a:solidFill>
-                            <a:prstClr val="black"/>
-                          </a:solidFill>
-                          <a:latin typeface="Arial Narrow" panose="020B0606020202030204" pitchFamily="34" charset="0"/>
-                          <a:ea typeface="LG스마트체 Regular" panose="020B0600000101010101" pitchFamily="50" charset="-127"/>
-                          <a:cs typeface="+mn-cs"/>
-                        </a:rPr>
-                        <a:t>진행</a:t>
+                        <a:t>모델 검증 및 판정 성능 개선활동 진행</a:t>
                       </a:r>
                       <a:endParaRPr lang="en-US" altLang="ko-KR" sz="1000" b="1" kern="1200" baseline="0" dirty="0" smtClean="0">
                         <a:solidFill>
@@ -4530,18 +4360,7 @@
                           <a:ea typeface="LG스마트체 Regular" panose="020B0600000101010101" pitchFamily="50" charset="-127"/>
                           <a:cs typeface="+mn-cs"/>
                         </a:rPr>
-                        <a:t>대표모델 </a:t>
-                      </a:r>
-                      <a:r>
-                        <a:rPr lang="ko-KR" altLang="en-US" sz="1000" b="0" kern="1200" baseline="0" dirty="0" smtClean="0">
-                          <a:solidFill>
-                            <a:prstClr val="black"/>
-                          </a:solidFill>
-                          <a:latin typeface="Arial Narrow" panose="020B0606020202030204" pitchFamily="34" charset="0"/>
-                          <a:ea typeface="LG스마트체 Regular" panose="020B0600000101010101" pitchFamily="50" charset="-127"/>
-                          <a:cs typeface="+mn-cs"/>
-                        </a:rPr>
-                        <a:t>선정 후 양불 판정 시스템 구축</a:t>
+                        <a:t>대표모델 선정 후 양불 판정 시스템 구축</a:t>
                       </a:r>
                       <a:endParaRPr lang="en-US" altLang="ko-KR" sz="1000" b="0" kern="1200" baseline="0" dirty="0" smtClean="0">
                         <a:solidFill>
@@ -4590,18 +4409,7 @@
                           <a:ea typeface="LG스마트체 Regular" panose="020B0600000101010101" pitchFamily="50" charset="-127"/>
                           <a:cs typeface="+mn-cs"/>
                         </a:rPr>
-                        <a:t>판정결과 확인 및 </a:t>
-                      </a:r>
-                      <a:r>
-                        <a:rPr lang="ko-KR" altLang="en-US" sz="1000" b="0" kern="1200" baseline="0" dirty="0" smtClean="0">
-                          <a:solidFill>
-                            <a:prstClr val="black"/>
-                          </a:solidFill>
-                          <a:latin typeface="Arial Narrow" panose="020B0606020202030204" pitchFamily="34" charset="0"/>
-                          <a:ea typeface="LG스마트체 Regular" panose="020B0600000101010101" pitchFamily="50" charset="-127"/>
-                          <a:cs typeface="+mn-cs"/>
-                        </a:rPr>
-                        <a:t>정확도 향상을 위한 개선 작업 진행</a:t>
+                        <a:t>판정결과 확인 및 정확도 향상을 위한 개선 작업 진행</a:t>
                       </a:r>
                       <a:endParaRPr lang="en-US" altLang="ko-KR" sz="1000" b="0" kern="1200" baseline="0" dirty="0" smtClean="0">
                         <a:solidFill>
@@ -4650,18 +4458,7 @@
                           <a:ea typeface="LG스마트체 Regular" panose="020B0600000101010101" pitchFamily="50" charset="-127"/>
                           <a:cs typeface="+mn-cs"/>
                         </a:rPr>
-                        <a:t>전 모델로의 수평전개 </a:t>
-                      </a:r>
-                      <a:r>
-                        <a:rPr lang="ko-KR" altLang="en-US" sz="1000" b="0" kern="1200" baseline="0" dirty="0" smtClean="0">
-                          <a:solidFill>
-                            <a:prstClr val="black"/>
-                          </a:solidFill>
-                          <a:latin typeface="Arial Narrow" panose="020B0606020202030204" pitchFamily="34" charset="0"/>
-                          <a:ea typeface="LG스마트체 Regular" panose="020B0600000101010101" pitchFamily="50" charset="-127"/>
-                          <a:cs typeface="+mn-cs"/>
-                        </a:rPr>
-                        <a:t>진행</a:t>
+                        <a:t>전 모델로의 수평전개 진행</a:t>
                       </a:r>
                       <a:endParaRPr lang="en-US" altLang="ko-KR" sz="1000" b="0" kern="1200" baseline="0" dirty="0" smtClean="0">
                         <a:solidFill>
@@ -5201,18 +4998,7 @@
                           <a:ea typeface="LG스마트체 Regular" panose="020B0600000101010101" pitchFamily="50" charset="-127"/>
                           <a:cs typeface="+mn-cs"/>
                         </a:rPr>
-                        <a:t>현 수준 확인 </a:t>
-                      </a:r>
-                      <a:r>
-                        <a:rPr lang="ko-KR" altLang="en-US" sz="1000" b="0" kern="1200" dirty="0" smtClean="0">
-                          <a:solidFill>
-                            <a:prstClr val="black"/>
-                          </a:solidFill>
-                          <a:latin typeface="Arial Narrow" panose="020B0606020202030204" pitchFamily="34" charset="0"/>
-                          <a:ea typeface="LG스마트체 Regular" panose="020B0600000101010101" pitchFamily="50" charset="-127"/>
-                          <a:cs typeface="+mn-cs"/>
-                        </a:rPr>
-                        <a:t>및 </a:t>
+                        <a:t>현 수준 확인 및 </a:t>
                       </a:r>
                       <a:r>
                         <a:rPr lang="en-US" altLang="ko-KR" sz="1000" b="0" kern="1200" dirty="0" smtClean="0">
@@ -5478,7 +5264,7 @@
           <a:graphicData uri="http://schemas.openxmlformats.org/presentationml/2006/ole">
             <mc:AlternateContent xmlns:mc="http://schemas.openxmlformats.org/markup-compatibility/2006">
               <mc:Choice xmlns:v="urn:schemas-microsoft-com:vml" Requires="v">
-                <p:oleObj spid="_x0000_s99332" name="think-cell Slide" r:id="rId22" imgW="270" imgH="270" progId="TCLayout.ActiveDocument.1">
+                <p:oleObj spid="_x0000_s99336" name="think-cell Slide" r:id="rId22" imgW="270" imgH="270" progId="TCLayout.ActiveDocument.1">
                   <p:embed/>
                 </p:oleObj>
               </mc:Choice>
@@ -6841,7 +6627,17 @@
                           <a:latin typeface="Arial Narrow" panose="020B0606020202030204" pitchFamily="34" charset="0"/>
                           <a:ea typeface="LG스마트체 Regular" panose="020B0600000101010101" pitchFamily="50" charset="-127"/>
                         </a:rPr>
-                        <a:t>원종권 </a:t>
+                        <a:t>원종권 선임 </a:t>
+                      </a:r>
+                      <a:r>
+                        <a:rPr lang="en-US" altLang="ko-KR" sz="1000" baseline="0" dirty="0" smtClean="0">
+                          <a:solidFill>
+                            <a:schemeClr val="tx1"/>
+                          </a:solidFill>
+                          <a:latin typeface="Arial Narrow" panose="020B0606020202030204" pitchFamily="34" charset="0"/>
+                          <a:ea typeface="LG스마트체 Regular" panose="020B0600000101010101" pitchFamily="50" charset="-127"/>
+                        </a:rPr>
+                        <a:t>/ </a:t>
                       </a:r>
                       <a:r>
                         <a:rPr lang="ko-KR" altLang="en-US" sz="1000" baseline="0" dirty="0" smtClean="0">
@@ -6851,35 +6647,8 @@
                           <a:latin typeface="Arial Narrow" panose="020B0606020202030204" pitchFamily="34" charset="0"/>
                           <a:ea typeface="LG스마트체 Regular" panose="020B0600000101010101" pitchFamily="50" charset="-127"/>
                         </a:rPr>
-                        <a:t>선임 </a:t>
-                      </a:r>
-                      <a:r>
-                        <a:rPr lang="en-US" altLang="ko-KR" sz="1000" baseline="0" dirty="0" smtClean="0">
-                          <a:solidFill>
-                            <a:schemeClr val="tx1"/>
-                          </a:solidFill>
-                          <a:latin typeface="Arial Narrow" panose="020B0606020202030204" pitchFamily="34" charset="0"/>
-                          <a:ea typeface="LG스마트체 Regular" panose="020B0600000101010101" pitchFamily="50" charset="-127"/>
-                        </a:rPr>
-                        <a:t>/ </a:t>
-                      </a:r>
-                      <a:r>
-                        <a:rPr lang="ko-KR" altLang="en-US" sz="1000" baseline="0" dirty="0" smtClean="0">
-                          <a:solidFill>
-                            <a:schemeClr val="tx1"/>
-                          </a:solidFill>
-                          <a:latin typeface="Arial Narrow" panose="020B0606020202030204" pitchFamily="34" charset="0"/>
-                          <a:ea typeface="LG스마트체 Regular" panose="020B0600000101010101" pitchFamily="50" charset="-127"/>
-                        </a:rPr>
                         <a:t>임지원 연구원</a:t>
                       </a:r>
-                      <a:endParaRPr lang="ko-KR" altLang="en-US" sz="1000" baseline="0" dirty="0" smtClean="0">
-                        <a:solidFill>
-                          <a:schemeClr val="tx1"/>
-                        </a:solidFill>
-                        <a:latin typeface="Arial Narrow" panose="020B0606020202030204" pitchFamily="34" charset="0"/>
-                        <a:ea typeface="LG스마트체 Regular" panose="020B0600000101010101" pitchFamily="50" charset="-127"/>
-                      </a:endParaRPr>
                     </a:p>
                   </a:txBody>
                   <a:tcPr anchor="ctr">
@@ -8957,17 +8726,7 @@
                 <a:latin typeface="Arial Narrow" panose="020B0606020202030204" pitchFamily="34" charset="0"/>
                 <a:ea typeface="LG스마트체 Regular" panose="020B0600000101010101" pitchFamily="50" charset="-127"/>
               </a:rPr>
-              <a:t>‘</a:t>
-            </a:r>
-            <a:r>
-              <a:rPr lang="en-US" altLang="ko-KR" sz="800" dirty="0" smtClean="0">
-                <a:solidFill>
-                  <a:prstClr val="black"/>
-                </a:solidFill>
-                <a:latin typeface="Arial Narrow" panose="020B0606020202030204" pitchFamily="34" charset="0"/>
-                <a:ea typeface="LG스마트체 Regular" panose="020B0600000101010101" pitchFamily="50" charset="-127"/>
-              </a:rPr>
-              <a:t>24</a:t>
+              <a:t>‘24</a:t>
             </a:r>
             <a:endParaRPr lang="ko-KR" altLang="en-US" dirty="0"/>
           </a:p>
@@ -9430,17 +9189,7 @@
                 <a:latin typeface="Arial Narrow" panose="020B0606020202030204" pitchFamily="34" charset="0"/>
                 <a:ea typeface="LG스마트체 Regular" panose="020B0600000101010101" pitchFamily="50" charset="-127"/>
               </a:rPr>
-              <a:t>‘</a:t>
-            </a:r>
-            <a:r>
-              <a:rPr lang="en-US" altLang="ko-KR" sz="800" dirty="0" smtClean="0">
-                <a:solidFill>
-                  <a:prstClr val="black"/>
-                </a:solidFill>
-                <a:latin typeface="Arial Narrow" panose="020B0606020202030204" pitchFamily="34" charset="0"/>
-                <a:ea typeface="LG스마트체 Regular" panose="020B0600000101010101" pitchFamily="50" charset="-127"/>
-              </a:rPr>
-              <a:t>25</a:t>
+              <a:t>‘25</a:t>
             </a:r>
             <a:endParaRPr lang="ko-KR" altLang="en-US" dirty="0"/>
           </a:p>
